--- a/Design/영웅 생산 타워 기획서.pptx
+++ b/Design/영웅 생산 타워 기획서.pptx
@@ -232,7 +232,7 @@
             <a:fld id="{187319CA-8400-4C3F-A277-BBBF1FED029B}" type="datetimeFigureOut">
               <a:rPr lang="ko-KR" altLang="en-US" smtClean="0"/>
               <a:pPr/>
-              <a:t>2023-03-30</a:t>
+              <a:t>2023-05-01</a:t>
             </a:fld>
             <a:endParaRPr lang="ko-KR" altLang="en-US"/>
           </a:p>
@@ -398,7 +398,7 @@
           <a:p>
             <a:fld id="{03534EB9-E907-4622-A082-5EAE6A84B205}" type="datetimeFigureOut">
               <a:rPr lang="ko-KR" altLang="en-US" smtClean="0"/>
-              <a:t>2023-03-30</a:t>
+              <a:t>2023-05-01</a:t>
             </a:fld>
             <a:endParaRPr lang="ko-KR" altLang="en-US"/>
           </a:p>
@@ -5170,7 +5170,7 @@
         <p:spPr>
           <a:xfrm>
             <a:off x="2296771" y="1386863"/>
-            <a:ext cx="5908990" cy="1231106"/>
+            <a:ext cx="5908990" cy="1384995"/>
           </a:xfrm>
           <a:prstGeom prst="rect">
             <a:avLst/>
@@ -5328,6 +5328,28 @@
             <a:r>
               <a:rPr lang="ko-KR" altLang="en-US" sz="1000" b="1" dirty="0"/>
               <a:t>불가능한 영웅의 가격은 붉은색으로 표시한다</a:t>
+            </a:r>
+            <a:r>
+              <a:rPr lang="en-US" altLang="ko-KR" sz="1000" b="1" dirty="0"/>
+              <a:t>.</a:t>
+            </a:r>
+          </a:p>
+          <a:p>
+            <a:r>
+              <a:rPr lang="en-US" altLang="ko-KR" sz="1000" b="1" dirty="0"/>
+              <a:t>                    </a:t>
+            </a:r>
+            <a:r>
+              <a:rPr lang="ko-KR" altLang="en-US" sz="1000" b="1" dirty="0"/>
+              <a:t>ㄴ 요구 자원 및 영웅 종류는 </a:t>
+            </a:r>
+            <a:r>
+              <a:rPr lang="en-US" altLang="ko-KR" sz="1000" b="1" dirty="0" err="1"/>
+              <a:t>client_hero_info</a:t>
+            </a:r>
+            <a:r>
+              <a:rPr lang="ko-KR" altLang="en-US" sz="1000" b="1" dirty="0"/>
+              <a:t>에서 설정한다</a:t>
             </a:r>
             <a:r>
               <a:rPr lang="en-US" altLang="ko-KR" sz="1000" b="1" dirty="0"/>
@@ -8353,7 +8375,7 @@
         <p:spPr>
           <a:xfrm>
             <a:off x="2296770" y="1386863"/>
-            <a:ext cx="6235669" cy="677108"/>
+            <a:ext cx="6235669" cy="938719"/>
           </a:xfrm>
           <a:prstGeom prst="rect">
             <a:avLst/>
@@ -8385,12 +8407,8 @@
           </a:p>
           <a:p>
             <a:r>
-              <a:rPr lang="en-US" altLang="ko-KR" sz="1400" b="1" dirty="0"/>
-              <a:t>  </a:t>
-            </a:r>
-            <a:r>
               <a:rPr lang="en-US" altLang="ko-KR" sz="1000" b="1" dirty="0"/>
-              <a:t>- </a:t>
+              <a:t>  - </a:t>
             </a:r>
             <a:r>
               <a:rPr lang="ko-KR" altLang="en-US" sz="1000" b="1" dirty="0"/>
@@ -8400,6 +8418,39 @@
               <a:rPr lang="en-US" altLang="ko-KR" sz="1000" b="1" dirty="0"/>
               <a:t>.</a:t>
             </a:r>
+          </a:p>
+          <a:p>
+            <a:r>
+              <a:rPr lang="en-US" altLang="ko-KR" sz="1000" b="1" dirty="0"/>
+              <a:t>  - </a:t>
+            </a:r>
+            <a:r>
+              <a:rPr lang="ko-KR" altLang="en-US" sz="1000" b="1" dirty="0"/>
+              <a:t>영웅의 </a:t>
+            </a:r>
+            <a:r>
+              <a:rPr lang="ko-KR" altLang="en-US" sz="1000" b="1" dirty="0" err="1"/>
+              <a:t>스탯은</a:t>
+            </a:r>
+            <a:r>
+              <a:rPr lang="ko-KR" altLang="en-US" sz="1000" b="1" dirty="0"/>
+              <a:t> </a:t>
+            </a:r>
+            <a:r>
+              <a:rPr lang="en-US" altLang="ko-KR" sz="1000" b="1" dirty="0" err="1"/>
+              <a:t>client_hero_info</a:t>
+            </a:r>
+            <a:r>
+              <a:rPr lang="ko-KR" altLang="en-US" sz="1000" b="1" dirty="0"/>
+              <a:t>에서 설정한다</a:t>
+            </a:r>
+            <a:r>
+              <a:rPr lang="en-US" altLang="ko-KR" sz="1000" b="1" dirty="0"/>
+              <a:t>.</a:t>
+            </a:r>
+          </a:p>
+          <a:p>
+            <a:endParaRPr lang="en-US" altLang="ko-KR" sz="1000" b="1" dirty="0"/>
           </a:p>
           <a:p>
             <a:endParaRPr lang="en-US" altLang="ko-KR" sz="1000" b="1" dirty="0"/>
@@ -8616,11 +8667,11 @@
           <a:p>
             <a:r>
               <a:rPr lang="ko-KR" altLang="en-US" sz="1000" dirty="0"/>
-              <a:t>  이후 공격 범위 내에서 가장 가까운 적을 공격하고</a:t>
+              <a:t>  공격 범위 내에서 가장 가까운 적을 공격한다</a:t>
             </a:r>
             <a:r>
               <a:rPr lang="en-US" altLang="ko-KR" sz="1000" dirty="0"/>
-              <a:t>, </a:t>
+              <a:t>. </a:t>
             </a:r>
             <a:r>
               <a:rPr lang="ko-KR" altLang="en-US" sz="1000" dirty="0"/>
@@ -8835,7 +8886,7 @@
         <p:spPr>
           <a:xfrm>
             <a:off x="3406800" y="3512411"/>
-            <a:ext cx="5209486" cy="400110"/>
+            <a:ext cx="5209486" cy="553998"/>
           </a:xfrm>
           <a:prstGeom prst="rect">
             <a:avLst/>
@@ -8854,7 +8905,7 @@
             </a:pPr>
             <a:r>
               <a:rPr lang="ko-KR" altLang="en-US" sz="1000" dirty="0"/>
-              <a:t>인지 영역으로 제일 먼저 접근한 몬스터를 공격하되</a:t>
+              <a:t>공격 사거리내에서 인지 영역으로 제일 먼저 접근한 몬스터를 공격하되</a:t>
             </a:r>
             <a:r>
               <a:rPr lang="en-US" altLang="ko-KR" sz="1000" dirty="0"/>
@@ -8866,6 +8917,22 @@
               <a:rPr lang="ko-KR" altLang="en-US" sz="1000" dirty="0"/>
               <a:t>   도중에 자신을 공격하는 몬스터가 있다면 자신을 공격한 몬스터를 우선 공격한다</a:t>
             </a:r>
+            <a:endParaRPr lang="en-US" altLang="ko-KR" sz="1000" dirty="0"/>
+          </a:p>
+          <a:p>
+            <a:r>
+              <a:rPr lang="en-US" altLang="ko-KR" sz="1000" dirty="0"/>
+              <a:t>-  </a:t>
+            </a:r>
+            <a:r>
+              <a:rPr lang="ko-KR" altLang="en-US" sz="1000" dirty="0"/>
+              <a:t>기본적으로 원거리 영웅의 인지 영역은 공격 사거리와 동일하게 설정한다</a:t>
+            </a:r>
+            <a:r>
+              <a:rPr lang="en-US" altLang="ko-KR" sz="1000" dirty="0"/>
+              <a:t>.</a:t>
+            </a:r>
+            <a:endParaRPr lang="ko-KR" altLang="en-US" sz="1000" dirty="0"/>
           </a:p>
         </p:txBody>
       </p:sp>
@@ -8974,7 +9041,7 @@
         <p:spPr>
           <a:xfrm>
             <a:off x="3406800" y="4781629"/>
-            <a:ext cx="5209486" cy="707886"/>
+            <a:ext cx="5209486" cy="553998"/>
           </a:xfrm>
           <a:prstGeom prst="rect">
             <a:avLst/>
@@ -8993,7 +9060,7 @@
             </a:pPr>
             <a:r>
               <a:rPr lang="ko-KR" altLang="en-US" sz="1000" dirty="0"/>
-              <a:t>스킬 지원 영웅의 경우 인지 영역으로 제일 먼저 접근한 몬스터를 기준으로 스킬을 사용한다</a:t>
+              <a:t>공격 사거리내에서 인지 영역으로 제일 먼저 접근한 몬스터를 기준으로 스킬을 사용한다</a:t>
             </a:r>
             <a:r>
               <a:rPr lang="en-US" altLang="ko-KR" sz="1000" dirty="0"/>
@@ -9003,16 +9070,6 @@
           </a:p>
           <a:p>
             <a:r>
-              <a:rPr lang="ko-KR" altLang="en-US" sz="1000" dirty="0"/>
-              <a:t>   소환 지원 영웅의 경우 인지 영역으로 몬스터가 들어오는 경우 스킬을 사용한다</a:t>
-            </a:r>
-          </a:p>
-          <a:p>
-            <a:r>
-              <a:rPr lang="ko-KR" altLang="en-US" sz="1000" dirty="0"/>
-              <a:t>    </a:t>
-            </a:r>
-            <a:r>
               <a:rPr lang="ko-KR" altLang="en-US" sz="1000" dirty="0" err="1"/>
               <a:t>ㄴ</a:t>
             </a:r>
@@ -9040,6 +9097,19 @@
               <a:rPr lang="ko-KR" altLang="en-US" sz="1000" dirty="0"/>
               <a:t>과 동일</a:t>
             </a:r>
+            <a:r>
+              <a:rPr lang="en-US" altLang="ko-KR" sz="1000" dirty="0"/>
+              <a:t>(</a:t>
+            </a:r>
+            <a:r>
+              <a:rPr lang="ko-KR" altLang="en-US" sz="1000" dirty="0"/>
+              <a:t>근접 영웅을 소환하도록 할 예정</a:t>
+            </a:r>
+            <a:r>
+              <a:rPr lang="en-US" altLang="ko-KR" sz="1000" dirty="0"/>
+              <a:t>)</a:t>
+            </a:r>
+            <a:endParaRPr lang="ko-KR" altLang="en-US" sz="1000" dirty="0"/>
           </a:p>
         </p:txBody>
       </p:sp>
@@ -9095,7 +9165,7 @@
         </p:blipFill>
         <p:spPr>
           <a:xfrm>
-            <a:off x="2213310" y="4498289"/>
+            <a:off x="2213310" y="4715094"/>
             <a:ext cx="966446" cy="972847"/>
           </a:xfrm>
           <a:prstGeom prst="rect">
@@ -9124,7 +9194,7 @@
         </p:blipFill>
         <p:spPr>
           <a:xfrm>
-            <a:off x="2267744" y="2071677"/>
+            <a:off x="2267744" y="2288482"/>
             <a:ext cx="824627" cy="956878"/>
           </a:xfrm>
           <a:prstGeom prst="rect">
@@ -9153,7 +9223,7 @@
         </p:blipFill>
         <p:spPr>
           <a:xfrm>
-            <a:off x="2235205" y="3284984"/>
+            <a:off x="2235205" y="3501789"/>
             <a:ext cx="824627" cy="956877"/>
           </a:xfrm>
           <a:prstGeom prst="rect">
@@ -9774,8 +9844,8 @@
         </p:nvSpPr>
         <p:spPr>
           <a:xfrm>
-            <a:off x="2296770" y="1386863"/>
-            <a:ext cx="6235669" cy="677108"/>
+            <a:off x="2296770" y="1420034"/>
+            <a:ext cx="6235669" cy="777136"/>
           </a:xfrm>
           <a:prstGeom prst="rect">
             <a:avLst/>
@@ -9807,7 +9877,7 @@
           </a:p>
           <a:p>
             <a:r>
-              <a:rPr lang="en-US" altLang="ko-KR" sz="1400" b="1" dirty="0"/>
+              <a:rPr lang="en-US" altLang="ko-KR" sz="1050" b="1" dirty="0"/>
               <a:t>  </a:t>
             </a:r>
             <a:r>
@@ -9824,7 +9894,56 @@
             </a:r>
           </a:p>
           <a:p>
-            <a:endParaRPr lang="en-US" altLang="ko-KR" sz="1000" b="1" dirty="0"/>
+            <a:r>
+              <a:rPr lang="en-US" altLang="ko-KR" sz="1000" b="1" dirty="0"/>
+              <a:t>  - </a:t>
+            </a:r>
+            <a:r>
+              <a:rPr lang="ko-KR" altLang="en-US" sz="1000" b="1" dirty="0"/>
+              <a:t>길 이동 로직 상의 가장 가까운 노드로 이동한다</a:t>
+            </a:r>
+            <a:r>
+              <a:rPr lang="en-US" altLang="ko-KR" sz="1000" b="1" dirty="0"/>
+              <a:t>.(</a:t>
+            </a:r>
+            <a:r>
+              <a:rPr lang="ko-KR" altLang="en-US" sz="1000" b="1" dirty="0"/>
+              <a:t>기본 이동 로직</a:t>
+            </a:r>
+            <a:r>
+              <a:rPr lang="en-US" altLang="ko-KR" sz="1000" b="1" dirty="0"/>
+              <a:t>)</a:t>
+            </a:r>
+          </a:p>
+          <a:p>
+            <a:r>
+              <a:rPr lang="en-US" altLang="ko-KR" sz="1000" b="1" dirty="0"/>
+              <a:t>  - </a:t>
+            </a:r>
+            <a:r>
+              <a:rPr lang="ko-KR" altLang="en-US" sz="1000" b="1" dirty="0"/>
+              <a:t>몬스터의 </a:t>
+            </a:r>
+            <a:r>
+              <a:rPr lang="ko-KR" altLang="en-US" sz="1000" b="1" dirty="0" err="1"/>
+              <a:t>스탯은</a:t>
+            </a:r>
+            <a:r>
+              <a:rPr lang="ko-KR" altLang="en-US" sz="1000" b="1" dirty="0"/>
+              <a:t> </a:t>
+            </a:r>
+            <a:r>
+              <a:rPr lang="en-US" altLang="ko-KR" sz="1000" b="1" dirty="0" err="1"/>
+              <a:t>client_monster_info</a:t>
+            </a:r>
+            <a:r>
+              <a:rPr lang="ko-KR" altLang="en-US" sz="1000" b="1" dirty="0"/>
+              <a:t>에서 설정한다</a:t>
+            </a:r>
+            <a:r>
+              <a:rPr lang="en-US" altLang="ko-KR" sz="1000" b="1" dirty="0"/>
+              <a:t>.</a:t>
+            </a:r>
           </a:p>
         </p:txBody>
       </p:sp>
@@ -10008,7 +10127,7 @@
         </p:nvSpPr>
         <p:spPr>
           <a:xfrm>
-            <a:off x="3446888" y="2349953"/>
+            <a:off x="3446888" y="2566758"/>
             <a:ext cx="5209486" cy="400110"/>
           </a:xfrm>
           <a:prstGeom prst="rect">
@@ -10057,7 +10176,7 @@
         </p:nvSpPr>
         <p:spPr>
           <a:xfrm>
-            <a:off x="2197557" y="2770831"/>
+            <a:off x="2197557" y="2987636"/>
             <a:ext cx="934902" cy="232500"/>
           </a:xfrm>
           <a:prstGeom prst="roundRect">
@@ -10118,7 +10237,7 @@
         </p:nvSpPr>
         <p:spPr>
           <a:xfrm>
-            <a:off x="2170072" y="4077072"/>
+            <a:off x="2170072" y="4293877"/>
             <a:ext cx="961768" cy="232500"/>
           </a:xfrm>
           <a:prstGeom prst="roundRect">
@@ -10179,8 +10298,8 @@
         </p:nvSpPr>
         <p:spPr>
           <a:xfrm>
-            <a:off x="3406800" y="3512411"/>
-            <a:ext cx="5209486" cy="553998"/>
+            <a:off x="3406800" y="3729216"/>
+            <a:ext cx="5209486" cy="707886"/>
           </a:xfrm>
           <a:prstGeom prst="rect">
             <a:avLst/>
@@ -10252,6 +10371,44 @@
             <a:r>
               <a:rPr lang="en-US" altLang="ko-KR" sz="1000" dirty="0"/>
               <a:t>)</a:t>
+            </a:r>
+          </a:p>
+          <a:p>
+            <a:r>
+              <a:rPr lang="en-US" altLang="ko-KR" sz="1000" dirty="0"/>
+              <a:t>   </a:t>
+            </a:r>
+            <a:r>
+              <a:rPr lang="ko-KR" altLang="en-US" sz="1000" dirty="0"/>
+              <a:t>ㄴ</a:t>
+            </a:r>
+            <a:r>
+              <a:rPr lang="en-US" altLang="ko-KR" sz="1000" dirty="0"/>
+              <a:t> </a:t>
+            </a:r>
+            <a:r>
+              <a:rPr lang="ko-KR" altLang="en-US" sz="1000" dirty="0"/>
+              <a:t>해당 </a:t>
+            </a:r>
+            <a:r>
+              <a:rPr lang="ko-KR" altLang="en-US" sz="1000" dirty="0" err="1"/>
+              <a:t>쿨타임은</a:t>
+            </a:r>
+            <a:r>
+              <a:rPr lang="ko-KR" altLang="en-US" sz="1000" dirty="0"/>
+              <a:t> </a:t>
+            </a:r>
+            <a:r>
+              <a:rPr lang="en-US" altLang="ko-KR" sz="1000" dirty="0" err="1"/>
+              <a:t>client_monster_info</a:t>
+            </a:r>
+            <a:r>
+              <a:rPr lang="ko-KR" altLang="en-US" sz="1000" dirty="0"/>
+              <a:t>에서 설정할 수 있다</a:t>
+            </a:r>
+            <a:r>
+              <a:rPr lang="en-US" altLang="ko-KR" sz="1000" dirty="0"/>
+              <a:t>.</a:t>
             </a:r>
             <a:endParaRPr lang="ko-KR" altLang="en-US" sz="1000" dirty="0"/>
           </a:p>
@@ -10271,7 +10428,7 @@
         </p:nvSpPr>
         <p:spPr>
           <a:xfrm>
-            <a:off x="2223495" y="5284732"/>
+            <a:off x="2223495" y="5501537"/>
             <a:ext cx="934902" cy="232500"/>
           </a:xfrm>
           <a:prstGeom prst="roundRect">
@@ -10337,7 +10494,7 @@
         </p:nvSpPr>
         <p:spPr>
           <a:xfrm>
-            <a:off x="3469226" y="4861601"/>
+            <a:off x="3469226" y="5078406"/>
             <a:ext cx="5209486" cy="246221"/>
           </a:xfrm>
           <a:prstGeom prst="rect">

--- a/Design/영웅 생산 타워 기획서.pptx
+++ b/Design/영웅 생산 타워 기획서.pptx
@@ -232,7 +232,7 @@
             <a:fld id="{187319CA-8400-4C3F-A277-BBBF1FED029B}" type="datetimeFigureOut">
               <a:rPr lang="ko-KR" altLang="en-US" smtClean="0"/>
               <a:pPr/>
-              <a:t>2023-05-01</a:t>
+              <a:t>2023-05-11</a:t>
             </a:fld>
             <a:endParaRPr lang="ko-KR" altLang="en-US"/>
           </a:p>
@@ -398,7 +398,7 @@
           <a:p>
             <a:fld id="{03534EB9-E907-4622-A082-5EAE6A84B205}" type="datetimeFigureOut">
               <a:rPr lang="ko-KR" altLang="en-US" smtClean="0"/>
-              <a:t>2023-05-01</a:t>
+              <a:t>2023-05-11</a:t>
             </a:fld>
             <a:endParaRPr lang="ko-KR" altLang="en-US"/>
           </a:p>
@@ -5345,11 +5345,23 @@
             </a:r>
             <a:r>
               <a:rPr lang="en-US" altLang="ko-KR" sz="1000" b="1" dirty="0" err="1"/>
-              <a:t>client_hero_info</a:t>
+              <a:t>client_building_info</a:t>
             </a:r>
             <a:r>
               <a:rPr lang="ko-KR" altLang="en-US" sz="1000" b="1" dirty="0"/>
-              <a:t>에서 설정한다</a:t>
+              <a:t>의 </a:t>
+            </a:r>
+            <a:r>
+              <a:rPr lang="en-US" altLang="ko-KR" sz="1000" b="1" dirty="0" err="1"/>
+              <a:t>HeroShop</a:t>
+            </a:r>
+            <a:r>
+              <a:rPr lang="en-US" altLang="ko-KR" sz="1000" b="1" dirty="0"/>
+              <a:t> </a:t>
+            </a:r>
+            <a:r>
+              <a:rPr lang="ko-KR" altLang="en-US" sz="1000" b="1" dirty="0"/>
+              <a:t>시트에서 설정한다</a:t>
             </a:r>
             <a:r>
               <a:rPr lang="en-US" altLang="ko-KR" sz="1000" b="1" dirty="0"/>
@@ -8574,7 +8586,7 @@
         <p:spPr>
           <a:xfrm>
             <a:off x="276119" y="1530658"/>
-            <a:ext cx="1775601" cy="923330"/>
+            <a:ext cx="1775601" cy="646331"/>
           </a:xfrm>
           <a:prstGeom prst="rect">
             <a:avLst/>
@@ -8587,13 +8599,6 @@
           </a:bodyPr>
           <a:lstStyle/>
           <a:p>
-            <a:r>
-              <a:rPr lang="ko-KR" altLang="en-US" sz="900" dirty="0"/>
-              <a:t>초기 개발 기획</a:t>
-            </a:r>
-            <a:endParaRPr lang="en-US" altLang="ko-KR" sz="900" dirty="0"/>
-          </a:p>
-          <a:p>
             <a:endParaRPr lang="en-US" altLang="ko-KR" sz="900" dirty="0"/>
           </a:p>
           <a:p>
@@ -8603,7 +8608,7 @@
             </a:r>
             <a:r>
               <a:rPr lang="ko-KR" altLang="en-US" sz="900" dirty="0"/>
-              <a:t>영웅 생산 타워 기획</a:t>
+              <a:t>영웅 테이블</a:t>
             </a:r>
             <a:endParaRPr lang="en-US" altLang="ko-KR" sz="900" dirty="0"/>
           </a:p>
@@ -8613,11 +8618,19 @@
           <a:p>
             <a:r>
               <a:rPr lang="en-US" altLang="ko-KR" sz="900" dirty="0"/>
-              <a:t>1.</a:t>
+              <a:t>- </a:t>
+            </a:r>
+            <a:r>
+              <a:rPr lang="en-US" altLang="ko-KR" sz="900" dirty="0" err="1"/>
+              <a:t>client_hero_info</a:t>
+            </a:r>
+            <a:r>
+              <a:rPr lang="en-US" altLang="ko-KR" sz="900" dirty="0"/>
+              <a:t> </a:t>
             </a:r>
             <a:r>
               <a:rPr lang="ko-KR" altLang="en-US" sz="900" dirty="0"/>
-              <a:t> 필드에서 건설하는 영웅 생산 건물에 대한 기획서</a:t>
+              <a:t>테이블 컬럼</a:t>
             </a:r>
             <a:endParaRPr lang="en-US" altLang="ko-KR" sz="900" dirty="0"/>
           </a:p>
@@ -9110,6 +9123,109 @@
               <a:t>)</a:t>
             </a:r>
             <a:endParaRPr lang="ko-KR" altLang="en-US" sz="1000" dirty="0"/>
+          </a:p>
+        </p:txBody>
+      </p:sp>
+      <p:pic>
+        <p:nvPicPr>
+          <p:cNvPr id="28" name="그림 27">
+            <a:extLst>
+              <a:ext uri="{FF2B5EF4-FFF2-40B4-BE49-F238E27FC236}">
+                <a16:creationId xmlns:a16="http://schemas.microsoft.com/office/drawing/2014/main" id="{0F4D1EDA-6845-4FE2-9C98-E2BB16EB34B6}"/>
+              </a:ext>
+            </a:extLst>
+          </p:cNvPr>
+          <p:cNvPicPr>
+            <a:picLocks noChangeAspect="1"/>
+          </p:cNvPicPr>
+          <p:nvPr/>
+        </p:nvPicPr>
+        <p:blipFill>
+          <a:blip r:embed="rId9"/>
+          <a:stretch>
+            <a:fillRect/>
+          </a:stretch>
+        </p:blipFill>
+        <p:spPr>
+          <a:xfrm>
+            <a:off x="282614" y="2564904"/>
+            <a:ext cx="1697098" cy="2424426"/>
+          </a:xfrm>
+          <a:prstGeom prst="rect">
+            <a:avLst/>
+          </a:prstGeom>
+        </p:spPr>
+      </p:pic>
+      <p:sp>
+        <p:nvSpPr>
+          <p:cNvPr id="11" name="TextBox 10">
+            <a:extLst>
+              <a:ext uri="{FF2B5EF4-FFF2-40B4-BE49-F238E27FC236}">
+                <a16:creationId xmlns:a16="http://schemas.microsoft.com/office/drawing/2014/main" id="{56223AAB-C60E-49E8-9B2F-7C84EBCDE778}"/>
+              </a:ext>
+            </a:extLst>
+          </p:cNvPr>
+          <p:cNvSpPr txBox="1"/>
+          <p:nvPr/>
+        </p:nvSpPr>
+        <p:spPr>
+          <a:xfrm>
+            <a:off x="308615" y="5040325"/>
+            <a:ext cx="1644372" cy="646331"/>
+          </a:xfrm>
+          <a:prstGeom prst="rect">
+            <a:avLst/>
+          </a:prstGeom>
+          <a:noFill/>
+        </p:spPr>
+        <p:txBody>
+          <a:bodyPr wrap="square" rtlCol="0">
+            <a:spAutoFit/>
+          </a:bodyPr>
+          <a:lstStyle/>
+          <a:p>
+            <a:pPr marL="171450" indent="-171450">
+              <a:buFont typeface="Arial" panose="020B0604020202020204" pitchFamily="34" charset="0"/>
+              <a:buChar char="•"/>
+            </a:pPr>
+            <a:r>
+              <a:rPr lang="en-US" altLang="ko-KR" sz="900" dirty="0" err="1"/>
+              <a:t>AttackType</a:t>
+            </a:r>
+            <a:endParaRPr lang="en-US" altLang="ko-KR" sz="900" dirty="0"/>
+          </a:p>
+          <a:p>
+            <a:r>
+              <a:rPr lang="en-US" altLang="ko-KR" sz="900" dirty="0"/>
+              <a:t> 1 – </a:t>
+            </a:r>
+            <a:r>
+              <a:rPr lang="ko-KR" altLang="en-US" sz="900" dirty="0"/>
+              <a:t>근접</a:t>
+            </a:r>
+            <a:endParaRPr lang="en-US" altLang="ko-KR" sz="900" dirty="0"/>
+          </a:p>
+          <a:p>
+            <a:r>
+              <a:rPr lang="en-US" altLang="ko-KR" sz="900" dirty="0"/>
+              <a:t> 2 – </a:t>
+            </a:r>
+            <a:r>
+              <a:rPr lang="ko-KR" altLang="en-US" sz="900" dirty="0"/>
+              <a:t>원거리</a:t>
+            </a:r>
+            <a:endParaRPr lang="en-US" altLang="ko-KR" sz="900" dirty="0"/>
+          </a:p>
+          <a:p>
+            <a:r>
+              <a:rPr lang="en-US" altLang="ko-KR" sz="900" dirty="0"/>
+              <a:t> 3 – </a:t>
+            </a:r>
+            <a:r>
+              <a:rPr lang="ko-KR" altLang="en-US" sz="900" dirty="0"/>
+              <a:t>지원</a:t>
+            </a:r>
+            <a:endParaRPr lang="en-US" altLang="ko-KR" sz="900" dirty="0"/>
           </a:p>
         </p:txBody>
       </p:sp>
@@ -10051,70 +10167,6 @@
       </p:sp>
       <p:sp>
         <p:nvSpPr>
-          <p:cNvPr id="3" name="TextBox 2">
-            <a:extLst>
-              <a:ext uri="{FF2B5EF4-FFF2-40B4-BE49-F238E27FC236}">
-                <a16:creationId xmlns:a16="http://schemas.microsoft.com/office/drawing/2014/main" id="{B2607679-4C17-1B3C-5397-09FE81E49761}"/>
-              </a:ext>
-            </a:extLst>
-          </p:cNvPr>
-          <p:cNvSpPr txBox="1"/>
-          <p:nvPr/>
-        </p:nvSpPr>
-        <p:spPr>
-          <a:xfrm>
-            <a:off x="276119" y="1530658"/>
-            <a:ext cx="1775601" cy="923330"/>
-          </a:xfrm>
-          <a:prstGeom prst="rect">
-            <a:avLst/>
-          </a:prstGeom>
-          <a:noFill/>
-        </p:spPr>
-        <p:txBody>
-          <a:bodyPr wrap="square" rtlCol="0">
-            <a:spAutoFit/>
-          </a:bodyPr>
-          <a:lstStyle/>
-          <a:p>
-            <a:r>
-              <a:rPr lang="ko-KR" altLang="en-US" sz="900" dirty="0"/>
-              <a:t>초기 개발 기획</a:t>
-            </a:r>
-            <a:endParaRPr lang="en-US" altLang="ko-KR" sz="900" dirty="0"/>
-          </a:p>
-          <a:p>
-            <a:endParaRPr lang="en-US" altLang="ko-KR" sz="900" dirty="0"/>
-          </a:p>
-          <a:p>
-            <a:r>
-              <a:rPr lang="en-US" altLang="ko-KR" sz="900" dirty="0"/>
-              <a:t>■ </a:t>
-            </a:r>
-            <a:r>
-              <a:rPr lang="ko-KR" altLang="en-US" sz="900" dirty="0"/>
-              <a:t>영웅 생산 타워 기획</a:t>
-            </a:r>
-            <a:endParaRPr lang="en-US" altLang="ko-KR" sz="900" dirty="0"/>
-          </a:p>
-          <a:p>
-            <a:endParaRPr lang="en-US" altLang="ko-KR" sz="900" dirty="0"/>
-          </a:p>
-          <a:p>
-            <a:r>
-              <a:rPr lang="en-US" altLang="ko-KR" sz="900" dirty="0"/>
-              <a:t>1.</a:t>
-            </a:r>
-            <a:r>
-              <a:rPr lang="ko-KR" altLang="en-US" sz="900" dirty="0"/>
-              <a:t> 필드에서 건설하는 영웅 생산 건물에 대한 기획서</a:t>
-            </a:r>
-            <a:endParaRPr lang="en-US" altLang="ko-KR" sz="900" dirty="0"/>
-          </a:p>
-        </p:txBody>
-      </p:sp>
-      <p:sp>
-        <p:nvSpPr>
           <p:cNvPr id="12" name="TextBox 11">
             <a:extLst>
               <a:ext uri="{FF2B5EF4-FFF2-40B4-BE49-F238E27FC236}">
@@ -10299,7 +10351,7 @@
         <p:spPr>
           <a:xfrm>
             <a:off x="3406800" y="3729216"/>
-            <a:ext cx="5209486" cy="707886"/>
+            <a:ext cx="5209486" cy="861774"/>
           </a:xfrm>
           <a:prstGeom prst="rect">
             <a:avLst/>
@@ -10408,7 +10460,23 @@
             </a:r>
             <a:r>
               <a:rPr lang="en-US" altLang="ko-KR" sz="1000" dirty="0"/>
-              <a:t>.</a:t>
+              <a:t>.(</a:t>
+            </a:r>
+            <a:r>
+              <a:rPr lang="en-US" altLang="ko-KR" sz="1000" dirty="0" err="1"/>
+              <a:t>AttackCoolTime</a:t>
+            </a:r>
+            <a:r>
+              <a:rPr lang="en-US" altLang="ko-KR" sz="1000" dirty="0"/>
+              <a:t> </a:t>
+            </a:r>
+            <a:r>
+              <a:rPr lang="ko-KR" altLang="en-US" sz="1000" dirty="0"/>
+              <a:t>컬럼</a:t>
+            </a:r>
+            <a:r>
+              <a:rPr lang="en-US" altLang="ko-KR" sz="1000" dirty="0"/>
+              <a:t>)	</a:t>
             </a:r>
             <a:endParaRPr lang="ko-KR" altLang="en-US" sz="1000" dirty="0"/>
           </a:p>
@@ -10524,6 +10592,174 @@
           </a:p>
         </p:txBody>
       </p:sp>
+      <p:sp>
+        <p:nvSpPr>
+          <p:cNvPr id="28" name="TextBox 27">
+            <a:extLst>
+              <a:ext uri="{FF2B5EF4-FFF2-40B4-BE49-F238E27FC236}">
+                <a16:creationId xmlns:a16="http://schemas.microsoft.com/office/drawing/2014/main" id="{643EBE4E-856D-48E4-8BEA-1830281058A0}"/>
+              </a:ext>
+            </a:extLst>
+          </p:cNvPr>
+          <p:cNvSpPr txBox="1"/>
+          <p:nvPr/>
+        </p:nvSpPr>
+        <p:spPr>
+          <a:xfrm>
+            <a:off x="276119" y="1530658"/>
+            <a:ext cx="1775601" cy="784830"/>
+          </a:xfrm>
+          <a:prstGeom prst="rect">
+            <a:avLst/>
+          </a:prstGeom>
+          <a:noFill/>
+        </p:spPr>
+        <p:txBody>
+          <a:bodyPr wrap="square" rtlCol="0">
+            <a:spAutoFit/>
+          </a:bodyPr>
+          <a:lstStyle/>
+          <a:p>
+            <a:endParaRPr lang="en-US" altLang="ko-KR" sz="900" dirty="0"/>
+          </a:p>
+          <a:p>
+            <a:r>
+              <a:rPr lang="en-US" altLang="ko-KR" sz="900" dirty="0"/>
+              <a:t>■ </a:t>
+            </a:r>
+            <a:r>
+              <a:rPr lang="ko-KR" altLang="en-US" sz="900" dirty="0"/>
+              <a:t>영웅 테이블</a:t>
+            </a:r>
+            <a:endParaRPr lang="en-US" altLang="ko-KR" sz="900" dirty="0"/>
+          </a:p>
+          <a:p>
+            <a:endParaRPr lang="en-US" altLang="ko-KR" sz="900" dirty="0"/>
+          </a:p>
+          <a:p>
+            <a:r>
+              <a:rPr lang="en-US" altLang="ko-KR" sz="900" dirty="0"/>
+              <a:t>- </a:t>
+            </a:r>
+            <a:r>
+              <a:rPr lang="en-US" altLang="ko-KR" sz="900" dirty="0" err="1"/>
+              <a:t>client_monster_info</a:t>
+            </a:r>
+            <a:r>
+              <a:rPr lang="en-US" altLang="ko-KR" sz="900" dirty="0"/>
+              <a:t> </a:t>
+            </a:r>
+            <a:r>
+              <a:rPr lang="ko-KR" altLang="en-US" sz="900" dirty="0"/>
+              <a:t>테이블 컬럼</a:t>
+            </a:r>
+            <a:endParaRPr lang="en-US" altLang="ko-KR" sz="900" dirty="0"/>
+          </a:p>
+        </p:txBody>
+      </p:sp>
+      <p:sp>
+        <p:nvSpPr>
+          <p:cNvPr id="29" name="TextBox 28">
+            <a:extLst>
+              <a:ext uri="{FF2B5EF4-FFF2-40B4-BE49-F238E27FC236}">
+                <a16:creationId xmlns:a16="http://schemas.microsoft.com/office/drawing/2014/main" id="{7C3734E3-45BA-4E22-B2AC-D4B9817084A1}"/>
+              </a:ext>
+            </a:extLst>
+          </p:cNvPr>
+          <p:cNvSpPr txBox="1"/>
+          <p:nvPr/>
+        </p:nvSpPr>
+        <p:spPr>
+          <a:xfrm>
+            <a:off x="308615" y="5040325"/>
+            <a:ext cx="1644372" cy="646331"/>
+          </a:xfrm>
+          <a:prstGeom prst="rect">
+            <a:avLst/>
+          </a:prstGeom>
+          <a:noFill/>
+        </p:spPr>
+        <p:txBody>
+          <a:bodyPr wrap="square" rtlCol="0">
+            <a:spAutoFit/>
+          </a:bodyPr>
+          <a:lstStyle/>
+          <a:p>
+            <a:pPr marL="171450" indent="-171450">
+              <a:buFont typeface="Arial" panose="020B0604020202020204" pitchFamily="34" charset="0"/>
+              <a:buChar char="•"/>
+            </a:pPr>
+            <a:r>
+              <a:rPr lang="en-US" altLang="ko-KR" sz="900" dirty="0" err="1"/>
+              <a:t>AttackType</a:t>
+            </a:r>
+            <a:endParaRPr lang="en-US" altLang="ko-KR" sz="900" dirty="0"/>
+          </a:p>
+          <a:p>
+            <a:r>
+              <a:rPr lang="en-US" altLang="ko-KR" sz="900" dirty="0"/>
+              <a:t> 1 – </a:t>
+            </a:r>
+            <a:r>
+              <a:rPr lang="ko-KR" altLang="en-US" sz="900" dirty="0"/>
+              <a:t>근접</a:t>
+            </a:r>
+            <a:endParaRPr lang="en-US" altLang="ko-KR" sz="900" dirty="0"/>
+          </a:p>
+          <a:p>
+            <a:r>
+              <a:rPr lang="en-US" altLang="ko-KR" sz="900" dirty="0"/>
+              <a:t> 2 – </a:t>
+            </a:r>
+            <a:r>
+              <a:rPr lang="ko-KR" altLang="en-US" sz="900" dirty="0"/>
+              <a:t>원거리</a:t>
+            </a:r>
+            <a:endParaRPr lang="en-US" altLang="ko-KR" sz="900" dirty="0"/>
+          </a:p>
+          <a:p>
+            <a:r>
+              <a:rPr lang="en-US" altLang="ko-KR" sz="900" dirty="0"/>
+              <a:t> 3 – </a:t>
+            </a:r>
+            <a:r>
+              <a:rPr lang="ko-KR" altLang="en-US" sz="900" dirty="0"/>
+              <a:t>지원</a:t>
+            </a:r>
+            <a:endParaRPr lang="en-US" altLang="ko-KR" sz="900" dirty="0"/>
+          </a:p>
+        </p:txBody>
+      </p:sp>
+      <p:pic>
+        <p:nvPicPr>
+          <p:cNvPr id="17" name="그림 16">
+            <a:extLst>
+              <a:ext uri="{FF2B5EF4-FFF2-40B4-BE49-F238E27FC236}">
+                <a16:creationId xmlns:a16="http://schemas.microsoft.com/office/drawing/2014/main" id="{F6FA5399-4BCB-4AA8-BD9D-C9FC7334DF0D}"/>
+              </a:ext>
+            </a:extLst>
+          </p:cNvPr>
+          <p:cNvPicPr>
+            <a:picLocks noChangeAspect="1"/>
+          </p:cNvPicPr>
+          <p:nvPr/>
+        </p:nvPicPr>
+        <p:blipFill>
+          <a:blip r:embed="rId9"/>
+          <a:stretch>
+            <a:fillRect/>
+          </a:stretch>
+        </p:blipFill>
+        <p:spPr>
+          <a:xfrm>
+            <a:off x="318277" y="2364429"/>
+            <a:ext cx="1659486" cy="2586617"/>
+          </a:xfrm>
+          <a:prstGeom prst="rect">
+            <a:avLst/>
+          </a:prstGeom>
+        </p:spPr>
+      </p:pic>
     </p:spTree>
     <p:extLst>
       <p:ext uri="{BB962C8B-B14F-4D97-AF65-F5344CB8AC3E}">

--- a/Design/영웅 생산 타워 기획서.pptx
+++ b/Design/영웅 생산 타워 기획서.pptx
@@ -232,7 +232,7 @@
             <a:fld id="{187319CA-8400-4C3F-A277-BBBF1FED029B}" type="datetimeFigureOut">
               <a:rPr lang="ko-KR" altLang="en-US" smtClean="0"/>
               <a:pPr/>
-              <a:t>2023-05-11</a:t>
+              <a:t>2024-05-26</a:t>
             </a:fld>
             <a:endParaRPr lang="ko-KR" altLang="en-US"/>
           </a:p>
@@ -398,7 +398,7 @@
           <a:p>
             <a:fld id="{03534EB9-E907-4622-A082-5EAE6A84B205}" type="datetimeFigureOut">
               <a:rPr lang="ko-KR" altLang="en-US" smtClean="0"/>
-              <a:t>2023-05-11</a:t>
+              <a:t>2024-05-26</a:t>
             </a:fld>
             <a:endParaRPr lang="ko-KR" altLang="en-US"/>
           </a:p>
@@ -10538,7 +10538,7 @@
                   <a:schemeClr val="tx1"/>
                 </a:solidFill>
               </a:rPr>
-              <a:t>자원 몬스터</a:t>
+              <a:t>지원 몬스터</a:t>
             </a:r>
             <a:endParaRPr lang="ko-KR" altLang="en-US" sz="1000" b="1" dirty="0">
               <a:solidFill>
